--- a/docs/Presentation.pptx
+++ b/docs/Presentation.pptx
@@ -4154,7 +4154,7 @@
         </p:spPr>
         <p:txBody>
           <a:bodyPr>
-            <a:normAutofit fontScale="92500" lnSpcReduction="10000"/>
+            <a:normAutofit fontScale="92500" lnSpcReduction="20000"/>
           </a:bodyPr>
           <a:lstStyle/>
           <a:p>
@@ -4215,6 +4215,12 @@
             <a:r>
               <a:rPr lang="en-US" dirty="0" smtClean="0"/>
               <a:t>Questions</a:t>
+            </a:r>
+          </a:p>
+          <a:p>
+            <a:r>
+              <a:rPr lang="en-US" dirty="0" smtClean="0"/>
+              <a:t>Demo</a:t>
             </a:r>
           </a:p>
           <a:p>

--- a/docs/Presentation.pptx
+++ b/docs/Presentation.pptx
@@ -19,8 +19,8 @@
     <p:sldId id="262" r:id="rId10"/>
     <p:sldId id="263" r:id="rId11"/>
     <p:sldId id="264" r:id="rId12"/>
-    <p:sldId id="268" r:id="rId13"/>
-    <p:sldId id="267" r:id="rId14"/>
+    <p:sldId id="267" r:id="rId13"/>
+    <p:sldId id="268" r:id="rId14"/>
   </p:sldIdLst>
   <p:sldSz cx="9144000" cy="6858000" type="screen4x3"/>
   <p:notesSz cx="6858000" cy="9144000"/>
@@ -204,7 +204,8 @@
           <a:p>
             <a:fld id="{B57619C9-DA0E-4DEC-9BE4-705A8A0198ED}" type="datetimeFigureOut">
               <a:rPr lang="en-US" smtClean="0"/>
-              <a:t>12/3/2012</a:t>
+              <a:pPr/>
+              <a:t>12/4/2012</a:t>
             </a:fld>
             <a:endParaRPr lang="en-US"/>
           </a:p>
@@ -365,6 +366,7 @@
           <a:p>
             <a:fld id="{284161B6-B109-4A25-9DA4-D46D2067CF34}" type="slidenum">
               <a:rPr lang="en-US" smtClean="0"/>
+              <a:pPr/>
               <a:t>‹#›</a:t>
             </a:fld>
             <a:endParaRPr lang="en-US"/>
@@ -536,6 +538,7 @@
           <a:p>
             <a:fld id="{284161B6-B109-4A25-9DA4-D46D2067CF34}" type="slidenum">
               <a:rPr lang="en-US" smtClean="0"/>
+              <a:pPr/>
               <a:t>7</a:t>
             </a:fld>
             <a:endParaRPr lang="en-US"/>
@@ -617,6 +620,7 @@
           <a:p>
             <a:fld id="{284161B6-B109-4A25-9DA4-D46D2067CF34}" type="slidenum">
               <a:rPr lang="en-US" smtClean="0"/>
+              <a:pPr/>
               <a:t>8</a:t>
             </a:fld>
             <a:endParaRPr lang="en-US"/>
@@ -821,7 +825,8 @@
           <a:p>
             <a:fld id="{AE1AF1F2-CA55-4A2D-AE4F-B1F382276F14}" type="datetimeFigureOut">
               <a:rPr lang="en-US" smtClean="0"/>
-              <a:t>12/3/2012</a:t>
+              <a:pPr/>
+              <a:t>12/4/2012</a:t>
             </a:fld>
             <a:endParaRPr lang="en-US"/>
           </a:p>
@@ -863,6 +868,7 @@
           <a:p>
             <a:fld id="{41162857-3D15-4768-A2CD-1C041485A5A0}" type="slidenum">
               <a:rPr lang="en-US" smtClean="0"/>
+              <a:pPr/>
               <a:t>‹#›</a:t>
             </a:fld>
             <a:endParaRPr lang="en-US"/>
@@ -986,7 +992,8 @@
           <a:p>
             <a:fld id="{AE1AF1F2-CA55-4A2D-AE4F-B1F382276F14}" type="datetimeFigureOut">
               <a:rPr lang="en-US" smtClean="0"/>
-              <a:t>12/3/2012</a:t>
+              <a:pPr/>
+              <a:t>12/4/2012</a:t>
             </a:fld>
             <a:endParaRPr lang="en-US"/>
           </a:p>
@@ -1028,6 +1035,7 @@
           <a:p>
             <a:fld id="{41162857-3D15-4768-A2CD-1C041485A5A0}" type="slidenum">
               <a:rPr lang="en-US" smtClean="0"/>
+              <a:pPr/>
               <a:t>‹#›</a:t>
             </a:fld>
             <a:endParaRPr lang="en-US"/>
@@ -1161,7 +1169,8 @@
           <a:p>
             <a:fld id="{AE1AF1F2-CA55-4A2D-AE4F-B1F382276F14}" type="datetimeFigureOut">
               <a:rPr lang="en-US" smtClean="0"/>
-              <a:t>12/3/2012</a:t>
+              <a:pPr/>
+              <a:t>12/4/2012</a:t>
             </a:fld>
             <a:endParaRPr lang="en-US"/>
           </a:p>
@@ -1203,6 +1212,7 @@
           <a:p>
             <a:fld id="{41162857-3D15-4768-A2CD-1C041485A5A0}" type="slidenum">
               <a:rPr lang="en-US" smtClean="0"/>
+              <a:pPr/>
               <a:t>‹#›</a:t>
             </a:fld>
             <a:endParaRPr lang="en-US"/>
@@ -1375,7 +1385,8 @@
           <a:p>
             <a:fld id="{AE1AF1F2-CA55-4A2D-AE4F-B1F382276F14}" type="datetimeFigureOut">
               <a:rPr lang="en-US" smtClean="0"/>
-              <a:t>12/3/2012</a:t>
+              <a:pPr/>
+              <a:t>12/4/2012</a:t>
             </a:fld>
             <a:endParaRPr lang="en-US"/>
           </a:p>
@@ -1417,6 +1428,7 @@
           <a:p>
             <a:fld id="{41162857-3D15-4768-A2CD-1C041485A5A0}" type="slidenum">
               <a:rPr lang="en-US" smtClean="0"/>
+              <a:pPr/>
               <a:t>‹#›</a:t>
             </a:fld>
             <a:endParaRPr lang="en-US"/>
@@ -1616,7 +1628,8 @@
           <a:p>
             <a:fld id="{AE1AF1F2-CA55-4A2D-AE4F-B1F382276F14}" type="datetimeFigureOut">
               <a:rPr lang="en-US" smtClean="0"/>
-              <a:t>12/3/2012</a:t>
+              <a:pPr/>
+              <a:t>12/4/2012</a:t>
             </a:fld>
             <a:endParaRPr lang="en-US"/>
           </a:p>
@@ -1658,6 +1671,7 @@
           <a:p>
             <a:fld id="{41162857-3D15-4768-A2CD-1C041485A5A0}" type="slidenum">
               <a:rPr lang="en-US" smtClean="0"/>
+              <a:pPr/>
               <a:t>‹#›</a:t>
             </a:fld>
             <a:endParaRPr lang="en-US"/>
@@ -1899,7 +1913,8 @@
           <a:p>
             <a:fld id="{AE1AF1F2-CA55-4A2D-AE4F-B1F382276F14}" type="datetimeFigureOut">
               <a:rPr lang="en-US" smtClean="0"/>
-              <a:t>12/3/2012</a:t>
+              <a:pPr/>
+              <a:t>12/4/2012</a:t>
             </a:fld>
             <a:endParaRPr lang="en-US"/>
           </a:p>
@@ -1941,6 +1956,7 @@
           <a:p>
             <a:fld id="{41162857-3D15-4768-A2CD-1C041485A5A0}" type="slidenum">
               <a:rPr lang="en-US" smtClean="0"/>
+              <a:pPr/>
               <a:t>‹#›</a:t>
             </a:fld>
             <a:endParaRPr lang="en-US"/>
@@ -2316,7 +2332,8 @@
           <a:p>
             <a:fld id="{AE1AF1F2-CA55-4A2D-AE4F-B1F382276F14}" type="datetimeFigureOut">
               <a:rPr lang="en-US" smtClean="0"/>
-              <a:t>12/3/2012</a:t>
+              <a:pPr/>
+              <a:t>12/4/2012</a:t>
             </a:fld>
             <a:endParaRPr lang="en-US"/>
           </a:p>
@@ -2358,6 +2375,7 @@
           <a:p>
             <a:fld id="{41162857-3D15-4768-A2CD-1C041485A5A0}" type="slidenum">
               <a:rPr lang="en-US" smtClean="0"/>
+              <a:pPr/>
               <a:t>‹#›</a:t>
             </a:fld>
             <a:endParaRPr lang="en-US"/>
@@ -2429,7 +2447,8 @@
           <a:p>
             <a:fld id="{AE1AF1F2-CA55-4A2D-AE4F-B1F382276F14}" type="datetimeFigureOut">
               <a:rPr lang="en-US" smtClean="0"/>
-              <a:t>12/3/2012</a:t>
+              <a:pPr/>
+              <a:t>12/4/2012</a:t>
             </a:fld>
             <a:endParaRPr lang="en-US"/>
           </a:p>
@@ -2471,6 +2490,7 @@
           <a:p>
             <a:fld id="{41162857-3D15-4768-A2CD-1C041485A5A0}" type="slidenum">
               <a:rPr lang="en-US" smtClean="0"/>
+              <a:pPr/>
               <a:t>‹#›</a:t>
             </a:fld>
             <a:endParaRPr lang="en-US"/>
@@ -2519,7 +2539,8 @@
           <a:p>
             <a:fld id="{AE1AF1F2-CA55-4A2D-AE4F-B1F382276F14}" type="datetimeFigureOut">
               <a:rPr lang="en-US" smtClean="0"/>
-              <a:t>12/3/2012</a:t>
+              <a:pPr/>
+              <a:t>12/4/2012</a:t>
             </a:fld>
             <a:endParaRPr lang="en-US"/>
           </a:p>
@@ -2561,6 +2582,7 @@
           <a:p>
             <a:fld id="{41162857-3D15-4768-A2CD-1C041485A5A0}" type="slidenum">
               <a:rPr lang="en-US" smtClean="0"/>
+              <a:pPr/>
               <a:t>‹#›</a:t>
             </a:fld>
             <a:endParaRPr lang="en-US"/>
@@ -2791,7 +2813,8 @@
           <a:p>
             <a:fld id="{AE1AF1F2-CA55-4A2D-AE4F-B1F382276F14}" type="datetimeFigureOut">
               <a:rPr lang="en-US" smtClean="0"/>
-              <a:t>12/3/2012</a:t>
+              <a:pPr/>
+              <a:t>12/4/2012</a:t>
             </a:fld>
             <a:endParaRPr lang="en-US"/>
           </a:p>
@@ -2833,6 +2856,7 @@
           <a:p>
             <a:fld id="{41162857-3D15-4768-A2CD-1C041485A5A0}" type="slidenum">
               <a:rPr lang="en-US" smtClean="0"/>
+              <a:pPr/>
               <a:t>‹#›</a:t>
             </a:fld>
             <a:endParaRPr lang="en-US"/>
@@ -3039,7 +3063,8 @@
           <a:p>
             <a:fld id="{AE1AF1F2-CA55-4A2D-AE4F-B1F382276F14}" type="datetimeFigureOut">
               <a:rPr lang="en-US" smtClean="0"/>
-              <a:t>12/3/2012</a:t>
+              <a:pPr/>
+              <a:t>12/4/2012</a:t>
             </a:fld>
             <a:endParaRPr lang="en-US"/>
           </a:p>
@@ -3081,6 +3106,7 @@
           <a:p>
             <a:fld id="{41162857-3D15-4768-A2CD-1C041485A5A0}" type="slidenum">
               <a:rPr lang="en-US" smtClean="0"/>
+              <a:pPr/>
               <a:t>‹#›</a:t>
             </a:fld>
             <a:endParaRPr lang="en-US"/>
@@ -3272,7 +3298,8 @@
           <a:p>
             <a:fld id="{AE1AF1F2-CA55-4A2D-AE4F-B1F382276F14}" type="datetimeFigureOut">
               <a:rPr lang="en-US" smtClean="0"/>
-              <a:t>12/3/2012</a:t>
+              <a:pPr/>
+              <a:t>12/4/2012</a:t>
             </a:fld>
             <a:endParaRPr lang="en-US"/>
           </a:p>
@@ -3350,6 +3377,7 @@
           <a:p>
             <a:fld id="{41162857-3D15-4768-A2CD-1C041485A5A0}" type="slidenum">
               <a:rPr lang="en-US" smtClean="0"/>
+              <a:pPr/>
               <a:t>‹#›</a:t>
             </a:fld>
             <a:endParaRPr lang="en-US"/>
@@ -3989,6 +4017,73 @@
           <a:p>
             <a:r>
               <a:rPr lang="en-US" dirty="0" smtClean="0"/>
+              <a:t>Demo</a:t>
+            </a:r>
+            <a:endParaRPr lang="en-US" dirty="0"/>
+          </a:p>
+        </p:txBody>
+      </p:sp>
+      <p:sp>
+        <p:nvSpPr>
+          <p:cNvPr id="3" name="Content Placeholder 2"/>
+          <p:cNvSpPr>
+            <a:spLocks noGrp="1"/>
+          </p:cNvSpPr>
+          <p:nvPr>
+            <p:ph idx="1"/>
+          </p:nvPr>
+        </p:nvSpPr>
+        <p:spPr/>
+        <p:txBody>
+          <a:bodyPr/>
+          <a:lstStyle/>
+          <a:p>
+            <a:endParaRPr lang="en-US"/>
+          </a:p>
+        </p:txBody>
+      </p:sp>
+    </p:spTree>
+  </p:cSld>
+  <p:clrMapOvr>
+    <a:masterClrMapping/>
+  </p:clrMapOvr>
+</p:sld>
+</file>
+
+<file path=ppt/slides/slide13.xml><?xml version="1.0" encoding="utf-8"?>
+<p:sld xmlns:a="http://schemas.openxmlformats.org/drawingml/2006/main" xmlns:r="http://schemas.openxmlformats.org/officeDocument/2006/relationships" xmlns:p="http://schemas.openxmlformats.org/presentationml/2006/main">
+  <p:cSld>
+    <p:spTree>
+      <p:nvGrpSpPr>
+        <p:cNvPr id="1" name=""/>
+        <p:cNvGrpSpPr/>
+        <p:nvPr/>
+      </p:nvGrpSpPr>
+      <p:grpSpPr>
+        <a:xfrm>
+          <a:off x="0" y="0"/>
+          <a:ext cx="0" cy="0"/>
+          <a:chOff x="0" y="0"/>
+          <a:chExt cx="0" cy="0"/>
+        </a:xfrm>
+      </p:grpSpPr>
+      <p:sp>
+        <p:nvSpPr>
+          <p:cNvPr id="2" name="Title 1"/>
+          <p:cNvSpPr>
+            <a:spLocks noGrp="1"/>
+          </p:cNvSpPr>
+          <p:nvPr>
+            <p:ph type="title"/>
+          </p:nvPr>
+        </p:nvSpPr>
+        <p:spPr/>
+        <p:txBody>
+          <a:bodyPr/>
+          <a:lstStyle/>
+          <a:p>
+            <a:r>
+              <a:rPr lang="en-US" dirty="0" smtClean="0"/>
               <a:t>Questions?</a:t>
             </a:r>
             <a:endParaRPr lang="en-US" dirty="0"/>
@@ -4029,73 +4124,6 @@
 </p:sld>
 </file>
 
-<file path=ppt/slides/slide13.xml><?xml version="1.0" encoding="utf-8"?>
-<p:sld xmlns:a="http://schemas.openxmlformats.org/drawingml/2006/main" xmlns:r="http://schemas.openxmlformats.org/officeDocument/2006/relationships" xmlns:p="http://schemas.openxmlformats.org/presentationml/2006/main">
-  <p:cSld>
-    <p:spTree>
-      <p:nvGrpSpPr>
-        <p:cNvPr id="1" name=""/>
-        <p:cNvGrpSpPr/>
-        <p:nvPr/>
-      </p:nvGrpSpPr>
-      <p:grpSpPr>
-        <a:xfrm>
-          <a:off x="0" y="0"/>
-          <a:ext cx="0" cy="0"/>
-          <a:chOff x="0" y="0"/>
-          <a:chExt cx="0" cy="0"/>
-        </a:xfrm>
-      </p:grpSpPr>
-      <p:sp>
-        <p:nvSpPr>
-          <p:cNvPr id="2" name="Title 1"/>
-          <p:cNvSpPr>
-            <a:spLocks noGrp="1"/>
-          </p:cNvSpPr>
-          <p:nvPr>
-            <p:ph type="title"/>
-          </p:nvPr>
-        </p:nvSpPr>
-        <p:spPr/>
-        <p:txBody>
-          <a:bodyPr/>
-          <a:lstStyle/>
-          <a:p>
-            <a:r>
-              <a:rPr lang="en-US" dirty="0" smtClean="0"/>
-              <a:t>Demo</a:t>
-            </a:r>
-            <a:endParaRPr lang="en-US" dirty="0"/>
-          </a:p>
-        </p:txBody>
-      </p:sp>
-      <p:sp>
-        <p:nvSpPr>
-          <p:cNvPr id="3" name="Content Placeholder 2"/>
-          <p:cNvSpPr>
-            <a:spLocks noGrp="1"/>
-          </p:cNvSpPr>
-          <p:nvPr>
-            <p:ph idx="1"/>
-          </p:nvPr>
-        </p:nvSpPr>
-        <p:spPr/>
-        <p:txBody>
-          <a:bodyPr/>
-          <a:lstStyle/>
-          <a:p>
-            <a:endParaRPr lang="en-US"/>
-          </a:p>
-        </p:txBody>
-      </p:sp>
-    </p:spTree>
-  </p:cSld>
-  <p:clrMapOvr>
-    <a:masterClrMapping/>
-  </p:clrMapOvr>
-</p:sld>
-</file>
-
 <file path=ppt/slides/slide2.xml><?xml version="1.0" encoding="utf-8"?>
 <p:sld xmlns:a="http://schemas.openxmlformats.org/drawingml/2006/main" xmlns:r="http://schemas.openxmlformats.org/officeDocument/2006/relationships" xmlns:p="http://schemas.openxmlformats.org/presentationml/2006/main">
   <p:cSld>
@@ -4312,15 +4340,13 @@
           <a:p>
             <a:r>
               <a:rPr lang="en-US" dirty="0" smtClean="0"/>
-              <a:t>It is an IDE that allows developers to work code simultaneously</a:t>
-            </a:r>
-          </a:p>
-          <a:p>
-            <a:r>
-              <a:rPr lang="en-US" dirty="0" smtClean="0"/>
-              <a:t> </a:t>
-            </a:r>
-            <a:endParaRPr lang="en-US" dirty="0"/>
+              <a:t>It is an IDE that allows developers to work code </a:t>
+            </a:r>
+            <a:r>
+              <a:rPr lang="en-US" dirty="0" smtClean="0"/>
+              <a:t>simultaneously</a:t>
+            </a:r>
+            <a:endParaRPr lang="en-US" dirty="0" smtClean="0"/>
           </a:p>
         </p:txBody>
       </p:sp>
@@ -4546,7 +4572,7 @@
         </p:spPr>
         <p:txBody>
           <a:bodyPr>
-            <a:normAutofit fontScale="92500"/>
+            <a:normAutofit fontScale="92500" lnSpcReduction="20000"/>
           </a:bodyPr>
           <a:lstStyle/>
           <a:p>
@@ -4560,8 +4586,31 @@
             <a:pPr lvl="1"/>
             <a:r>
               <a:rPr lang="en-US" dirty="0" smtClean="0"/>
-              <a:t>Collaborative editor for multiple documents</a:t>
-            </a:r>
+              <a:t>M</a:t>
+            </a:r>
+            <a:r>
+              <a:rPr lang="en-US" dirty="0" smtClean="0"/>
+              <a:t>ultiple documents, multiplatform</a:t>
+            </a:r>
+          </a:p>
+          <a:p>
+            <a:r>
+              <a:rPr lang="en-US" dirty="0" err="1" smtClean="0"/>
+              <a:t>SubEthaEdit</a:t>
+            </a:r>
+            <a:endParaRPr lang="en-US" dirty="0" smtClean="0"/>
+          </a:p>
+          <a:p>
+            <a:pPr lvl="1"/>
+            <a:r>
+              <a:rPr lang="en-US" dirty="0" smtClean="0"/>
+              <a:t>Collaborative text editor for Mac OS </a:t>
+            </a:r>
+            <a:r>
+              <a:rPr lang="en-US" dirty="0" smtClean="0"/>
+              <a:t>X</a:t>
+            </a:r>
+            <a:endParaRPr lang="en-US" dirty="0" smtClean="0"/>
           </a:p>
           <a:p>
             <a:r>
@@ -4574,13 +4623,22 @@
             <a:pPr lvl="1"/>
             <a:r>
               <a:rPr lang="en-US" dirty="0" smtClean="0"/>
-              <a:t>In browser, online code editor</a:t>
-            </a:r>
+              <a:t>In browser, </a:t>
+            </a:r>
+            <a:r>
+              <a:rPr lang="en-US" dirty="0" smtClean="0"/>
+              <a:t>syntax highlighting</a:t>
+            </a:r>
+            <a:endParaRPr lang="en-US" dirty="0" smtClean="0"/>
           </a:p>
           <a:p>
             <a:r>
               <a:rPr lang="en-US" dirty="0" err="1" smtClean="0"/>
-              <a:t>SubEthaEdit</a:t>
+              <a:t>Stypi</a:t>
+            </a:r>
+            <a:r>
+              <a:rPr lang="en-US" dirty="0" smtClean="0"/>
+              <a:t>_</a:t>
             </a:r>
             <a:endParaRPr lang="en-US" dirty="0" smtClean="0"/>
           </a:p>
@@ -4588,26 +4646,20 @@
             <a:pPr lvl="1"/>
             <a:r>
               <a:rPr lang="en-US" dirty="0" smtClean="0"/>
-              <a:t>Collaborative text editor for education use</a:t>
-            </a:r>
-          </a:p>
-          <a:p>
-            <a:r>
-              <a:rPr lang="en-US" dirty="0" smtClean="0"/>
-              <a:t>Cloud9</a:t>
+              <a:t>In browser, syntax highlighting, private sessions</a:t>
+            </a:r>
+          </a:p>
+          <a:p>
+            <a:r>
+              <a:rPr lang="en-US" dirty="0" smtClean="0"/>
+              <a:t>Google Docs</a:t>
             </a:r>
           </a:p>
           <a:p>
             <a:pPr lvl="1"/>
             <a:r>
               <a:rPr lang="en-US" dirty="0" smtClean="0"/>
-              <a:t>Online code editor</a:t>
-            </a:r>
-          </a:p>
-          <a:p>
-            <a:r>
-              <a:rPr lang="en-US" dirty="0" smtClean="0"/>
-              <a:t>Google DOCs</a:t>
+              <a:t>Concurrent editing, original inspiration</a:t>
             </a:r>
             <a:endParaRPr lang="en-US" dirty="0"/>
           </a:p>
@@ -5000,27 +5052,44 @@
           <a:p>
             <a:r>
               <a:rPr lang="en-US" dirty="0" smtClean="0"/>
-              <a:t>We used GIT for source code management</a:t>
+              <a:t>We used GIT for source code </a:t>
+            </a:r>
+            <a:r>
+              <a:rPr lang="en-US" dirty="0" smtClean="0"/>
+              <a:t>management</a:t>
             </a:r>
           </a:p>
           <a:p>
             <a:pPr lvl="1"/>
             <a:r>
               <a:rPr lang="en-US" dirty="0" smtClean="0"/>
-              <a:t>It gave us more tools than SVN</a:t>
-            </a:r>
-          </a:p>
-          <a:p>
-            <a:r>
-              <a:rPr lang="en-US" dirty="0" smtClean="0"/>
-              <a:t>We chose to perform unit testing</a:t>
+              <a:t>Extensive use of branches</a:t>
+            </a:r>
+            <a:endParaRPr lang="en-US" dirty="0" smtClean="0"/>
+          </a:p>
+          <a:p>
+            <a:r>
+              <a:rPr lang="en-US" dirty="0" smtClean="0"/>
+              <a:t>We </a:t>
+            </a:r>
+            <a:r>
+              <a:rPr lang="en-US" dirty="0" smtClean="0"/>
+              <a:t>chose to perform unit testing</a:t>
             </a:r>
           </a:p>
           <a:p>
             <a:pPr lvl="1"/>
             <a:r>
               <a:rPr lang="en-US" dirty="0" smtClean="0"/>
-              <a:t>We use J-Unit</a:t>
+              <a:t>We use </a:t>
+            </a:r>
+            <a:r>
+              <a:rPr lang="en-US" dirty="0" err="1" smtClean="0"/>
+              <a:t>JUnit</a:t>
+            </a:r>
+            <a:r>
+              <a:rPr lang="en-US" dirty="0" smtClean="0"/>
+              <a:t> test cases</a:t>
             </a:r>
             <a:endParaRPr lang="en-US" dirty="0" smtClean="0"/>
           </a:p>
